--- a/Capstone Project Presentation.pptx
+++ b/Capstone Project Presentation.pptx
@@ -316,7 +316,7 @@
             <a:fld id="{B61BEF0D-F0BB-DE4B-95CE-6DB70DBA9567}" type="datetimeFigureOut">
               <a:rPr lang="en-US" smtClean="0"/>
               <a:pPr/>
-              <a:t>6/13/2020</a:t>
+              <a:t>6/15/2020</a:t>
             </a:fld>
             <a:endParaRPr lang="en-US" dirty="0"/>
           </a:p>
@@ -599,7 +599,7 @@
             <a:fld id="{B61BEF0D-F0BB-DE4B-95CE-6DB70DBA9567}" type="datetimeFigureOut">
               <a:rPr lang="en-US" smtClean="0"/>
               <a:pPr/>
-              <a:t>6/13/2020</a:t>
+              <a:t>6/15/2020</a:t>
             </a:fld>
             <a:endParaRPr lang="en-US" dirty="0"/>
           </a:p>
@@ -793,7 +793,7 @@
             <a:fld id="{B61BEF0D-F0BB-DE4B-95CE-6DB70DBA9567}" type="datetimeFigureOut">
               <a:rPr lang="en-US" smtClean="0"/>
               <a:pPr/>
-              <a:t>6/13/2020</a:t>
+              <a:t>6/15/2020</a:t>
             </a:fld>
             <a:endParaRPr lang="en-US" dirty="0"/>
           </a:p>
@@ -1056,7 +1056,7 @@
             <a:fld id="{B61BEF0D-F0BB-DE4B-95CE-6DB70DBA9567}" type="datetimeFigureOut">
               <a:rPr lang="en-US" smtClean="0"/>
               <a:pPr/>
-              <a:t>6/13/2020</a:t>
+              <a:t>6/15/2020</a:t>
             </a:fld>
             <a:endParaRPr lang="en-US" dirty="0"/>
           </a:p>
@@ -1484,7 +1484,7 @@
             <a:fld id="{B61BEF0D-F0BB-DE4B-95CE-6DB70DBA9567}" type="datetimeFigureOut">
               <a:rPr lang="en-US" smtClean="0"/>
               <a:pPr/>
-              <a:t>6/13/2020</a:t>
+              <a:t>6/15/2020</a:t>
             </a:fld>
             <a:endParaRPr lang="en-US" dirty="0"/>
           </a:p>
@@ -2032,7 +2032,7 @@
             <a:fld id="{B61BEF0D-F0BB-DE4B-95CE-6DB70DBA9567}" type="datetimeFigureOut">
               <a:rPr lang="en-US" smtClean="0"/>
               <a:pPr/>
-              <a:t>6/13/2020</a:t>
+              <a:t>6/15/2020</a:t>
             </a:fld>
             <a:endParaRPr lang="en-US" dirty="0"/>
           </a:p>
@@ -2865,7 +2865,7 @@
             <a:fld id="{B61BEF0D-F0BB-DE4B-95CE-6DB70DBA9567}" type="datetimeFigureOut">
               <a:rPr lang="en-US" smtClean="0"/>
               <a:pPr/>
-              <a:t>6/13/2020</a:t>
+              <a:t>6/15/2020</a:t>
             </a:fld>
             <a:endParaRPr lang="en-US" dirty="0"/>
           </a:p>
@@ -3036,7 +3036,7 @@
           <a:p>
             <a:fld id="{55C6B4A9-1611-4792-9094-5F34BCA07E0B}" type="datetimeFigureOut">
               <a:rPr lang="en-US" smtClean="0"/>
-              <a:t>6/13/2020</a:t>
+              <a:t>6/15/2020</a:t>
             </a:fld>
             <a:endParaRPr lang="en-US" dirty="0"/>
           </a:p>
@@ -3217,7 +3217,7 @@
             <a:fld id="{B61BEF0D-F0BB-DE4B-95CE-6DB70DBA9567}" type="datetimeFigureOut">
               <a:rPr lang="en-US" smtClean="0"/>
               <a:pPr/>
-              <a:t>6/13/2020</a:t>
+              <a:t>6/15/2020</a:t>
             </a:fld>
             <a:endParaRPr lang="en-US" dirty="0"/>
           </a:p>
@@ -3389,7 +3389,7 @@
             <a:fld id="{B61BEF0D-F0BB-DE4B-95CE-6DB70DBA9567}" type="datetimeFigureOut">
               <a:rPr lang="en-US" smtClean="0"/>
               <a:pPr/>
-              <a:t>6/13/2020</a:t>
+              <a:t>6/15/2020</a:t>
             </a:fld>
             <a:endParaRPr lang="en-US" dirty="0"/>
           </a:p>
@@ -3648,7 +3648,7 @@
             <a:fld id="{B61BEF0D-F0BB-DE4B-95CE-6DB70DBA9567}" type="datetimeFigureOut">
               <a:rPr lang="en-US" smtClean="0"/>
               <a:pPr/>
-              <a:t>6/13/2020</a:t>
+              <a:t>6/15/2020</a:t>
             </a:fld>
             <a:endParaRPr lang="en-US" dirty="0"/>
           </a:p>
@@ -3881,7 +3881,7 @@
           <a:p>
             <a:fld id="{EB712588-04B1-427B-82EE-E8DB90309F08}" type="datetimeFigureOut">
               <a:rPr lang="en-US" smtClean="0"/>
-              <a:t>6/13/2020</a:t>
+              <a:t>6/15/2020</a:t>
             </a:fld>
             <a:endParaRPr lang="en-US" dirty="0"/>
           </a:p>
@@ -4275,7 +4275,7 @@
             <a:fld id="{B61BEF0D-F0BB-DE4B-95CE-6DB70DBA9567}" type="datetimeFigureOut">
               <a:rPr lang="en-US" smtClean="0"/>
               <a:pPr/>
-              <a:t>6/13/2020</a:t>
+              <a:t>6/15/2020</a:t>
             </a:fld>
             <a:endParaRPr lang="en-US" dirty="0"/>
           </a:p>
@@ -4395,7 +4395,7 @@
             <a:fld id="{B61BEF0D-F0BB-DE4B-95CE-6DB70DBA9567}" type="datetimeFigureOut">
               <a:rPr lang="en-US" smtClean="0"/>
               <a:pPr/>
-              <a:t>6/13/2020</a:t>
+              <a:t>6/15/2020</a:t>
             </a:fld>
             <a:endParaRPr lang="en-US" dirty="0"/>
           </a:p>
@@ -4492,7 +4492,7 @@
             <a:fld id="{B61BEF0D-F0BB-DE4B-95CE-6DB70DBA9567}" type="datetimeFigureOut">
               <a:rPr lang="en-US" smtClean="0"/>
               <a:pPr/>
-              <a:t>6/13/2020</a:t>
+              <a:t>6/15/2020</a:t>
             </a:fld>
             <a:endParaRPr lang="en-US" dirty="0"/>
           </a:p>
@@ -4766,7 +4766,7 @@
           <a:p>
             <a:fld id="{42A54C80-263E-416B-A8E0-580EDEADCBDC}" type="datetimeFigureOut">
               <a:rPr lang="en-US" smtClean="0"/>
-              <a:t>6/13/2020</a:t>
+              <a:t>6/15/2020</a:t>
             </a:fld>
             <a:endParaRPr lang="en-US" dirty="0"/>
           </a:p>
@@ -5048,7 +5048,7 @@
             <a:fld id="{B61BEF0D-F0BB-DE4B-95CE-6DB70DBA9567}" type="datetimeFigureOut">
               <a:rPr lang="en-US" smtClean="0"/>
               <a:pPr/>
-              <a:t>6/13/2020</a:t>
+              <a:t>6/15/2020</a:t>
             </a:fld>
             <a:endParaRPr lang="en-US" dirty="0"/>
           </a:p>
@@ -5290,7 +5290,7 @@
             <a:fld id="{B61BEF0D-F0BB-DE4B-95CE-6DB70DBA9567}" type="datetimeFigureOut">
               <a:rPr lang="en-US" smtClean="0"/>
               <a:pPr/>
-              <a:t>6/13/2020</a:t>
+              <a:t>6/15/2020</a:t>
             </a:fld>
             <a:endParaRPr lang="en-US" dirty="0"/>
           </a:p>
@@ -5889,7 +5889,7 @@
             </a:br>
             <a:r>
               <a:rPr lang="en-IN" sz="4000" dirty="0"/>
-              <a:t>Coursera Capstone Final Project</a:t>
+              <a:t>Coursera   Capstone   Final   Project</a:t>
             </a:r>
             <a:br>
               <a:rPr lang="en-IN" dirty="0"/>
